--- a/project-5/IDD-project5-presentation.pptx
+++ b/project-5/IDD-project5-presentation.pptx
@@ -149,7 +149,7 @@
 <file path=ppt/revisionInfo.xml><?xml version="1.0" encoding="utf-8"?>
 <p1510:revInfo xmlns:a="http://schemas.openxmlformats.org/drawingml/2006/main" xmlns:r="http://schemas.openxmlformats.org/officeDocument/2006/relationships" xmlns:p1510="http://schemas.microsoft.com/office/powerpoint/2015/10/main">
   <p1510:revLst>
-    <p1510:client id="{438A3F2E-ECDF-4D29-BFB5-4E15560599FA}" v="11" dt="2025-02-04T18:16:48.778"/>
+    <p1510:client id="{438A3F2E-ECDF-4D29-BFB5-4E15560599FA}" v="10" dt="2025-02-04T18:15:58.395"/>
     <p1510:client id="{8EA527A8-4103-475A-8DE0-5475AC463B09}" v="196" dt="2025-02-04T17:53:51.775"/>
   </p1510:revLst>
 </p1510:revInfo>
@@ -249,7 +249,7 @@
           <a:p>
             <a:fld id="{BB83AD81-D65C-460E-8493-6E07E8C000D3}" type="datetime1">
               <a:rPr lang="it-IT" smtClean="0"/>
-              <a:t>04/02/2025</a:t>
+              <a:t>05/02/2025</a:t>
             </a:fld>
             <a:endParaRPr lang="it-IT"/>
           </a:p>
@@ -429,7 +429,7 @@
             <a:fld id="{00435FA9-13D2-412F-849D-8718432A981A}" type="datetime1">
               <a:rPr lang="it-IT" smtClean="0"/>
               <a:pPr/>
-              <a:t>04/02/2025</a:t>
+              <a:t>05/02/2025</a:t>
             </a:fld>
             <a:endParaRPr lang="it-IT"/>
           </a:p>
@@ -36584,7 +36584,7 @@
           <a:lstStyle/>
           <a:p>
             <a:r>
-              <a:rPr lang="it-IT" sz="2600" dirty="0">
+              <a:rPr lang="it-IT" sz="2600">
                 <a:solidFill>
                   <a:schemeClr val="bg1"/>
                 </a:solidFill>
@@ -36592,7 +36592,7 @@
               <a:t>Sono stati confrontati tre metodi diversi di </a:t>
             </a:r>
             <a:r>
-              <a:rPr lang="it-IT" sz="2600" dirty="0" err="1">
+              <a:rPr lang="it-IT" sz="2600" err="1">
                 <a:solidFill>
                   <a:schemeClr val="bg1"/>
                 </a:solidFill>
@@ -36600,7 +36600,7 @@
               <a:t>pairwise</a:t>
             </a:r>
             <a:r>
-              <a:rPr lang="it-IT" sz="2600" dirty="0">
+              <a:rPr lang="it-IT" sz="2600">
                 <a:solidFill>
                   <a:schemeClr val="bg1"/>
                 </a:solidFill>
@@ -36609,7 +36609,7 @@
             </a:r>
           </a:p>
           <a:p>
-            <a:endParaRPr lang="it-IT" sz="2600" dirty="0">
+            <a:endParaRPr lang="it-IT" sz="2600">
               <a:solidFill>
                 <a:schemeClr val="bg1"/>
               </a:solidFill>
@@ -36621,7 +36621,7 @@
               <a:buChar char="•"/>
             </a:pPr>
             <a:r>
-              <a:rPr lang="it-IT" sz="2600" dirty="0">
+              <a:rPr lang="it-IT" sz="2600">
                 <a:solidFill>
                   <a:schemeClr val="bg1"/>
                 </a:solidFill>
@@ -36629,14 +36629,14 @@
               <a:t>Una tecnica basata sul confronto di stringhe grazie alla libreria RLL su </a:t>
             </a:r>
             <a:r>
-              <a:rPr lang="it-IT" sz="2600" dirty="0" err="1">
+              <a:rPr lang="it-IT" sz="2600" err="1">
                 <a:solidFill>
                   <a:schemeClr val="bg1"/>
                 </a:solidFill>
               </a:rPr>
               <a:t>python</a:t>
             </a:r>
-            <a:endParaRPr lang="it-IT" sz="2600" dirty="0">
+            <a:endParaRPr lang="it-IT" sz="2600">
               <a:solidFill>
                 <a:schemeClr val="bg1"/>
               </a:solidFill>
@@ -36648,7 +36648,7 @@
               <a:buChar char="•"/>
             </a:pPr>
             <a:r>
-              <a:rPr lang="en-US" sz="2600" dirty="0">
+              <a:rPr lang="en-US" sz="2600">
                 <a:solidFill>
                   <a:schemeClr val="bg1"/>
                 </a:solidFill>
@@ -36656,7 +36656,7 @@
               <a:t>Due </a:t>
             </a:r>
             <a:r>
-              <a:rPr lang="en-US" sz="2600" dirty="0" err="1">
+              <a:rPr lang="en-US" sz="2600" err="1">
                 <a:solidFill>
                   <a:schemeClr val="bg1"/>
                 </a:solidFill>
@@ -36664,7 +36664,7 @@
               <a:t>tecniche</a:t>
             </a:r>
             <a:r>
-              <a:rPr lang="en-US" sz="2600" dirty="0">
+              <a:rPr lang="en-US" sz="2600">
                 <a:solidFill>
                   <a:schemeClr val="bg1"/>
                 </a:solidFill>
@@ -36672,7 +36672,7 @@
               <a:t> </a:t>
             </a:r>
             <a:r>
-              <a:rPr lang="en-US" sz="2600" dirty="0" err="1">
+              <a:rPr lang="en-US" sz="2600" err="1">
                 <a:solidFill>
                   <a:schemeClr val="bg1"/>
                 </a:solidFill>
@@ -36680,7 +36680,7 @@
               <a:t>basate</a:t>
             </a:r>
             <a:r>
-              <a:rPr lang="en-US" sz="2600" dirty="0">
+              <a:rPr lang="en-US" sz="2600">
                 <a:solidFill>
                   <a:schemeClr val="bg1"/>
                 </a:solidFill>
@@ -36688,7 +36688,7 @@
               <a:t> </a:t>
             </a:r>
             <a:r>
-              <a:rPr lang="en-US" sz="2600" dirty="0" err="1">
+              <a:rPr lang="en-US" sz="2600" err="1">
                 <a:solidFill>
                   <a:schemeClr val="bg1"/>
                 </a:solidFill>
@@ -36696,7 +36696,7 @@
               <a:t>su</a:t>
             </a:r>
             <a:r>
-              <a:rPr lang="en-US" sz="2600" dirty="0">
+              <a:rPr lang="en-US" sz="2600">
                 <a:solidFill>
                   <a:schemeClr val="bg1"/>
                 </a:solidFill>
@@ -36704,7 +36704,7 @@
               <a:t> </a:t>
             </a:r>
             <a:r>
-              <a:rPr lang="en-US" sz="2600" dirty="0" err="1">
+              <a:rPr lang="en-US" sz="2600" err="1">
                 <a:solidFill>
                   <a:schemeClr val="bg1"/>
                 </a:solidFill>
@@ -36712,7 +36712,7 @@
               <a:t>modelli</a:t>
             </a:r>
             <a:r>
-              <a:rPr lang="en-US" sz="2600" dirty="0">
+              <a:rPr lang="en-US" sz="2600">
                 <a:solidFill>
                   <a:schemeClr val="bg1"/>
                 </a:solidFill>
@@ -36720,7 +36720,7 @@
               <a:t> di </a:t>
             </a:r>
             <a:r>
-              <a:rPr lang="en-US" sz="2600" dirty="0" err="1">
+              <a:rPr lang="en-US" sz="2600" err="1">
                 <a:solidFill>
                   <a:schemeClr val="bg1"/>
                 </a:solidFill>
@@ -36728,7 +36728,7 @@
               <a:t>linguaggio</a:t>
             </a:r>
             <a:r>
-              <a:rPr lang="en-US" sz="2600" dirty="0">
+              <a:rPr lang="en-US" sz="2600">
                 <a:solidFill>
                   <a:schemeClr val="bg1"/>
                 </a:solidFill>
@@ -36742,14 +36742,14 @@
               <a:buChar char="•"/>
             </a:pPr>
             <a:r>
-              <a:rPr lang="en-US" sz="2600" dirty="0" err="1">
+              <a:rPr lang="en-US" sz="2600" err="1">
                 <a:solidFill>
                   <a:schemeClr val="bg1"/>
                 </a:solidFill>
               </a:rPr>
               <a:t>Deepmatcher</a:t>
             </a:r>
-            <a:endParaRPr lang="en-US" sz="2600" dirty="0">
+            <a:endParaRPr lang="en-US" sz="2600">
               <a:solidFill>
                 <a:schemeClr val="bg1"/>
               </a:solidFill>
@@ -36761,7 +36761,7 @@
               <a:buChar char="•"/>
             </a:pPr>
             <a:r>
-              <a:rPr lang="en-US" sz="2600" dirty="0">
+              <a:rPr lang="en-US" sz="2600">
                 <a:solidFill>
                   <a:schemeClr val="bg1"/>
                 </a:solidFill>
@@ -36801,7 +36801,7 @@
           <a:p>
             <a:pPr lvl="1"/>
             <a:r>
-              <a:rPr lang="en-US" sz="2400" dirty="0">
+              <a:rPr lang="en-US" sz="2400">
                 <a:solidFill>
                   <a:schemeClr val="bg1"/>
                 </a:solidFill>
@@ -36809,7 +36809,7 @@
               <a:t>Per </a:t>
             </a:r>
             <a:r>
-              <a:rPr lang="en-US" sz="2400" dirty="0" err="1">
+              <a:rPr lang="en-US" sz="2400" err="1">
                 <a:solidFill>
                   <a:schemeClr val="bg1"/>
                 </a:solidFill>
@@ -36817,7 +36817,7 @@
               <a:t>l’addestramento</a:t>
             </a:r>
             <a:r>
-              <a:rPr lang="en-US" sz="2400" dirty="0">
+              <a:rPr lang="en-US" sz="2400">
                 <a:solidFill>
                   <a:schemeClr val="bg1"/>
                 </a:solidFill>
@@ -36825,7 +36825,7 @@
               <a:t> è </a:t>
             </a:r>
             <a:r>
-              <a:rPr lang="en-US" sz="2400" dirty="0" err="1">
+              <a:rPr lang="en-US" sz="2400" err="1">
                 <a:solidFill>
                   <a:schemeClr val="bg1"/>
                 </a:solidFill>
@@ -36833,7 +36833,7 @@
               <a:t>stato</a:t>
             </a:r>
             <a:r>
-              <a:rPr lang="en-US" sz="2400" dirty="0">
+              <a:rPr lang="en-US" sz="2400">
                 <a:solidFill>
                   <a:schemeClr val="bg1"/>
                 </a:solidFill>
@@ -36841,7 +36841,7 @@
               <a:t> </a:t>
             </a:r>
             <a:r>
-              <a:rPr lang="en-US" sz="2400" dirty="0" err="1">
+              <a:rPr lang="en-US" sz="2400" err="1">
                 <a:solidFill>
                   <a:schemeClr val="bg1"/>
                 </a:solidFill>
@@ -36849,7 +36849,7 @@
               <a:t>utilizzato</a:t>
             </a:r>
             <a:r>
-              <a:rPr lang="en-US" sz="2400" dirty="0">
+              <a:rPr lang="en-US" sz="2400">
                 <a:solidFill>
                   <a:schemeClr val="bg1"/>
                 </a:solidFill>
@@ -36857,7 +36857,7 @@
               <a:t> un dataset </a:t>
             </a:r>
             <a:r>
-              <a:rPr lang="en-US" sz="2400" dirty="0" err="1">
+              <a:rPr lang="en-US" sz="2400" err="1">
                 <a:solidFill>
                   <a:schemeClr val="bg1"/>
                 </a:solidFill>
@@ -36865,7 +36865,7 @@
               <a:t>creato</a:t>
             </a:r>
             <a:r>
-              <a:rPr lang="en-US" sz="2400" dirty="0">
+              <a:rPr lang="en-US" sz="2400">
                 <a:solidFill>
                   <a:schemeClr val="bg1"/>
                 </a:solidFill>
@@ -36873,7 +36873,7 @@
               <a:t> per ¼ </a:t>
             </a:r>
             <a:r>
-              <a:rPr lang="en-US" sz="2400" dirty="0" err="1">
+              <a:rPr lang="en-US" sz="2400" err="1">
                 <a:solidFill>
                   <a:schemeClr val="bg1"/>
                 </a:solidFill>
@@ -36881,7 +36881,7 @@
               <a:t>manualmente</a:t>
             </a:r>
             <a:r>
-              <a:rPr lang="en-US" sz="2400" dirty="0">
+              <a:rPr lang="en-US" sz="2400">
                 <a:solidFill>
                   <a:schemeClr val="bg1"/>
                 </a:solidFill>
@@ -36889,7 +36889,7 @@
               <a:t> (di </a:t>
             </a:r>
             <a:r>
-              <a:rPr lang="en-US" sz="2400" dirty="0" err="1">
+              <a:rPr lang="en-US" sz="2400" err="1">
                 <a:solidFill>
                   <a:schemeClr val="bg1"/>
                 </a:solidFill>
@@ -36897,7 +36897,7 @@
               <a:t>coppie</a:t>
             </a:r>
             <a:r>
-              <a:rPr lang="en-US" sz="2400" dirty="0">
+              <a:rPr lang="en-US" sz="2400">
                 <a:solidFill>
                   <a:schemeClr val="bg1"/>
                 </a:solidFill>
@@ -36905,7 +36905,7 @@
               <a:t> </a:t>
             </a:r>
             <a:r>
-              <a:rPr lang="en-US" sz="2400" dirty="0" err="1">
+              <a:rPr lang="en-US" sz="2400" err="1">
                 <a:solidFill>
                   <a:schemeClr val="bg1"/>
                 </a:solidFill>
@@ -36913,7 +36913,7 @@
               <a:t>presenti</a:t>
             </a:r>
             <a:r>
-              <a:rPr lang="en-US" sz="2400" dirty="0">
+              <a:rPr lang="en-US" sz="2400">
                 <a:solidFill>
                   <a:schemeClr val="bg1"/>
                 </a:solidFill>
@@ -36921,7 +36921,7 @@
               <a:t> </a:t>
             </a:r>
             <a:r>
-              <a:rPr lang="en-US" sz="2400" dirty="0" err="1">
+              <a:rPr lang="en-US" sz="2400" err="1">
                 <a:solidFill>
                   <a:schemeClr val="bg1"/>
                 </a:solidFill>
@@ -36929,7 +36929,7 @@
               <a:t>nelle</a:t>
             </a:r>
             <a:r>
-              <a:rPr lang="en-US" sz="2400" dirty="0">
+              <a:rPr lang="en-US" sz="2400">
                 <a:solidFill>
                   <a:schemeClr val="bg1"/>
                 </a:solidFill>
@@ -36937,7 +36937,7 @@
               <a:t> </a:t>
             </a:r>
             <a:r>
-              <a:rPr lang="en-US" sz="2400" dirty="0" err="1">
+              <a:rPr lang="en-US" sz="2400" err="1">
                 <a:solidFill>
                   <a:schemeClr val="bg1"/>
                 </a:solidFill>
@@ -36945,7 +36945,7 @@
               <a:t>sorgenti</a:t>
             </a:r>
             <a:r>
-              <a:rPr lang="en-US" sz="2400" dirty="0">
+              <a:rPr lang="en-US" sz="2400">
                 <a:solidFill>
                   <a:schemeClr val="bg1"/>
                 </a:solidFill>
@@ -36953,7 +36953,7 @@
               <a:t>) e ¾ </a:t>
             </a:r>
             <a:r>
-              <a:rPr lang="en-US" sz="2400" dirty="0" err="1">
+              <a:rPr lang="en-US" sz="2400" err="1">
                 <a:solidFill>
                   <a:schemeClr val="bg1"/>
                 </a:solidFill>
@@ -36961,7 +36961,7 @@
               <a:t>mediante</a:t>
             </a:r>
             <a:r>
-              <a:rPr lang="en-US" sz="2400" dirty="0">
+              <a:rPr lang="en-US" sz="2400">
                 <a:solidFill>
                   <a:schemeClr val="bg1"/>
                 </a:solidFill>
@@ -36969,7 +36969,7 @@
               <a:t> </a:t>
             </a:r>
             <a:r>
-              <a:rPr lang="en-US" sz="2400" dirty="0" err="1">
+              <a:rPr lang="en-US" sz="2400" err="1">
                 <a:solidFill>
                   <a:schemeClr val="bg1"/>
                 </a:solidFill>
@@ -36977,7 +36977,7 @@
               <a:t>dati</a:t>
             </a:r>
             <a:r>
-              <a:rPr lang="en-US" sz="2400" dirty="0">
+              <a:rPr lang="en-US" sz="2400">
                 <a:solidFill>
                   <a:schemeClr val="bg1"/>
                 </a:solidFill>
@@ -36985,7 +36985,7 @@
               <a:t> </a:t>
             </a:r>
             <a:r>
-              <a:rPr lang="en-US" sz="2400" dirty="0" err="1">
+              <a:rPr lang="en-US" sz="2400" err="1">
                 <a:solidFill>
                   <a:schemeClr val="bg1"/>
                 </a:solidFill>
@@ -36993,7 +36993,7 @@
               <a:t>sintetici</a:t>
             </a:r>
             <a:r>
-              <a:rPr lang="en-US" sz="2400" dirty="0">
+              <a:rPr lang="en-US" sz="2400">
                 <a:solidFill>
                   <a:schemeClr val="bg1"/>
                 </a:solidFill>
@@ -37001,7 +37001,7 @@
               <a:t> (</a:t>
             </a:r>
             <a:r>
-              <a:rPr lang="en-US" sz="2400" dirty="0" err="1">
+              <a:rPr lang="en-US" sz="2400" err="1">
                 <a:solidFill>
                   <a:schemeClr val="bg1"/>
                 </a:solidFill>
@@ -37009,7 +37009,7 @@
               <a:t>ricontrollati</a:t>
             </a:r>
             <a:r>
-              <a:rPr lang="en-US" sz="2400" dirty="0">
+              <a:rPr lang="en-US" sz="2400">
                 <a:solidFill>
                   <a:schemeClr val="bg1"/>
                 </a:solidFill>
@@ -37017,7 +37017,7 @@
               <a:t> </a:t>
             </a:r>
             <a:r>
-              <a:rPr lang="en-US" sz="2400" dirty="0" err="1">
+              <a:rPr lang="en-US" sz="2400" err="1">
                 <a:solidFill>
                   <a:schemeClr val="bg1"/>
                 </a:solidFill>
@@ -37025,7 +37025,7 @@
               <a:t>manualmente</a:t>
             </a:r>
             <a:r>
-              <a:rPr lang="en-US" sz="2400" dirty="0">
+              <a:rPr lang="en-US" sz="2400">
                 <a:solidFill>
                   <a:schemeClr val="bg1"/>
                 </a:solidFill>
@@ -37034,7 +37034,7 @@
             </a:r>
           </a:p>
           <a:p>
-            <a:endParaRPr lang="it-IT" dirty="0"/>
+            <a:endParaRPr lang="it-IT"/>
           </a:p>
         </p:txBody>
       </p:sp>
@@ -37048,13 +37048,13 @@
   <p:clrMapOvr>
     <a:masterClrMapping/>
   </p:clrMapOvr>
-  <mc:AlternateContent xmlns:mc="http://schemas.openxmlformats.org/markup-compatibility/2006">
-    <mc:Choice xmlns:p14="http://schemas.microsoft.com/office/powerpoint/2010/main" Requires="p14">
+  <mc:AlternateContent xmlns:mc="http://schemas.openxmlformats.org/markup-compatibility/2006" xmlns:p14="http://schemas.microsoft.com/office/powerpoint/2010/main">
+    <mc:Choice Requires="p14">
       <p:transition spd="med" p14:dur="700">
         <p:fade/>
       </p:transition>
     </mc:Choice>
-    <mc:Fallback>
+    <mc:Fallback xmlns="">
       <p:transition spd="med">
         <p:fade/>
       </p:transition>
@@ -37412,7 +37412,7 @@
           <a:p>
             <a:pPr algn="ctr"/>
             <a:r>
-              <a:rPr lang="it-IT" sz="4000" b="1" dirty="0">
+              <a:rPr lang="it-IT" sz="4000" b="1">
                 <a:solidFill>
                   <a:schemeClr val="bg1">
                     <a:lumMod val="95000"/>
@@ -37423,7 +37423,7 @@
               </a:rPr>
               <a:t>Approfondiamo i Modelli</a:t>
             </a:r>
-            <a:endParaRPr lang="it-IT" sz="4000" b="1" dirty="0"/>
+            <a:endParaRPr lang="it-IT" sz="4000" b="1"/>
           </a:p>
         </p:txBody>
       </p:sp>
@@ -37493,14 +37493,14 @@
           <a:p>
             <a:pPr algn="ctr"/>
             <a:r>
-              <a:rPr lang="it-IT" sz="3200" b="1" dirty="0" err="1">
+              <a:rPr lang="it-IT" sz="3200" b="1" err="1">
                 <a:solidFill>
                   <a:schemeClr val="bg1"/>
                 </a:solidFill>
               </a:rPr>
               <a:t>DeepMatcher</a:t>
             </a:r>
-            <a:endParaRPr lang="it-IT" sz="3200" b="1" dirty="0">
+            <a:endParaRPr lang="it-IT" sz="3200" b="1">
               <a:solidFill>
                 <a:schemeClr val="bg1"/>
               </a:solidFill>
@@ -37538,7 +37538,7 @@
           <a:p>
             <a:pPr algn="ctr"/>
             <a:r>
-              <a:rPr lang="it-IT" sz="3200" b="1" dirty="0">
+              <a:rPr lang="it-IT" sz="3200" b="1">
                 <a:solidFill>
                   <a:schemeClr val="bg1"/>
                 </a:solidFill>
@@ -37677,7 +37677,7 @@
         <p:spPr>
           <a:xfrm>
             <a:off x="1156225" y="2716240"/>
-            <a:ext cx="4654294" cy="2308324"/>
+            <a:ext cx="4654294" cy="2677656"/>
           </a:xfrm>
           <a:prstGeom prst="rect">
             <a:avLst/>
@@ -37689,6 +37689,28 @@
             <a:spAutoFit/>
           </a:bodyPr>
           <a:lstStyle/>
+          <a:p>
+            <a:pPr marL="342900" indent="-342900">
+              <a:buFont typeface="Arial" panose="020B0604020202020204" pitchFamily="34" charset="0"/>
+              <a:buChar char="•"/>
+            </a:pPr>
+            <a:r>
+              <a:rPr lang="it-IT" sz="2400" dirty="0">
+                <a:solidFill>
+                  <a:schemeClr val="bg1"/>
+                </a:solidFill>
+              </a:rPr>
+              <a:t>2.8M parametri </a:t>
+            </a:r>
+            <a:r>
+              <a:rPr lang="it-IT" sz="2400">
+                <a:solidFill>
+                  <a:schemeClr val="bg1"/>
+                </a:solidFill>
+              </a:rPr>
+              <a:t>(circa)</a:t>
+            </a:r>
+          </a:p>
           <a:p>
             <a:pPr marL="342900" indent="-342900">
               <a:buFont typeface="Arial" panose="020B0604020202020204" pitchFamily="34" charset="0"/>
@@ -37831,7 +37853,7 @@
           <a:lstStyle/>
           <a:p>
             <a:r>
-              <a:rPr lang="it-IT" sz="2000" b="1" dirty="0">
+              <a:rPr lang="it-IT" sz="2000" b="1">
                 <a:solidFill>
                   <a:schemeClr val="accent1">
                     <a:lumMod val="75000"/>
@@ -37841,7 +37863,7 @@
               <a:t>NOTA</a:t>
             </a:r>
             <a:r>
-              <a:rPr lang="it-IT" sz="2000" dirty="0">
+              <a:rPr lang="it-IT" sz="2000">
                 <a:solidFill>
                   <a:schemeClr val="accent1">
                     <a:lumMod val="75000"/>
@@ -37863,13 +37885,13 @@
   <p:clrMapOvr>
     <a:masterClrMapping/>
   </p:clrMapOvr>
-  <mc:AlternateContent xmlns:mc="http://schemas.openxmlformats.org/markup-compatibility/2006">
-    <mc:Choice xmlns:p14="http://schemas.microsoft.com/office/powerpoint/2010/main" Requires="p14">
+  <mc:AlternateContent xmlns:mc="http://schemas.openxmlformats.org/markup-compatibility/2006" xmlns:p14="http://schemas.microsoft.com/office/powerpoint/2010/main">
+    <mc:Choice Requires="p14">
       <p:transition spd="med" p14:dur="700">
         <p:fade/>
       </p:transition>
     </mc:Choice>
-    <mc:Fallback>
+    <mc:Fallback xmlns="">
       <p:transition spd="med">
         <p:fade/>
       </p:transition>
@@ -38275,7 +38297,7 @@
               <a:buChar char="•"/>
             </a:pPr>
             <a:r>
-              <a:rPr lang="it-IT" sz="2800" b="1" dirty="0">
+              <a:rPr lang="it-IT" sz="2800" b="1">
                 <a:solidFill>
                   <a:schemeClr val="bg1"/>
                 </a:solidFill>
@@ -38283,7 +38305,7 @@
               <a:t>Tempo costruzione Ground Truth</a:t>
             </a:r>
             <a:r>
-              <a:rPr lang="it-IT" sz="2800" dirty="0">
+              <a:rPr lang="it-IT" sz="2800">
                 <a:solidFill>
                   <a:schemeClr val="bg1"/>
                 </a:solidFill>
@@ -38291,7 +38313,7 @@
               <a:t>: </a:t>
             </a:r>
             <a:r>
-              <a:rPr lang="it-IT" sz="2800" i="0" dirty="0">
+              <a:rPr lang="it-IT" sz="2800" i="0">
                 <a:solidFill>
                   <a:srgbClr val="000000"/>
                 </a:solidFill>
@@ -38306,7 +38328,7 @@
               <a:buChar char="•"/>
             </a:pPr>
             <a:r>
-              <a:rPr lang="en-US" sz="2800" dirty="0">
+              <a:rPr lang="en-US" sz="2800">
                 <a:solidFill>
                   <a:schemeClr val="bg1"/>
                 </a:solidFill>
@@ -38314,7 +38336,7 @@
               <a:t>(150 </a:t>
             </a:r>
             <a:r>
-              <a:rPr lang="en-US" sz="2800" dirty="0" err="1">
+              <a:rPr lang="en-US" sz="2800" err="1">
                 <a:solidFill>
                   <a:schemeClr val="bg1"/>
                 </a:solidFill>
@@ -38322,14 +38344,14 @@
               <a:t>coppie</a:t>
             </a:r>
             <a:r>
-              <a:rPr lang="en-US" sz="2800" dirty="0">
+              <a:rPr lang="en-US" sz="2800">
                 <a:solidFill>
                   <a:schemeClr val="bg1"/>
                 </a:solidFill>
               </a:rPr>
               <a:t> in match)</a:t>
             </a:r>
-            <a:endParaRPr lang="it-IT" sz="2800" i="0" dirty="0">
+            <a:endParaRPr lang="it-IT" sz="2800" i="0">
               <a:solidFill>
                 <a:srgbClr val="000000"/>
               </a:solidFill>
@@ -38342,7 +38364,7 @@
               <a:buChar char="•"/>
             </a:pPr>
             <a:r>
-              <a:rPr lang="it-IT" sz="2800" b="1" dirty="0">
+              <a:rPr lang="it-IT" sz="2800" b="1">
                 <a:solidFill>
                   <a:schemeClr val="bg1"/>
                 </a:solidFill>
@@ -38350,7 +38372,7 @@
               <a:t>Metriche utilizzate</a:t>
             </a:r>
             <a:r>
-              <a:rPr lang="it-IT" sz="2800" dirty="0">
+              <a:rPr lang="it-IT" sz="2800">
                 <a:solidFill>
                   <a:schemeClr val="bg1"/>
                 </a:solidFill>
@@ -38364,7 +38386,7 @@
               <a:buChar char="•"/>
             </a:pPr>
             <a:r>
-              <a:rPr lang="it-IT" sz="2800" i="0" dirty="0">
+              <a:rPr lang="it-IT" sz="2800" i="0">
                 <a:solidFill>
                   <a:schemeClr val="bg1"/>
                 </a:solidFill>
@@ -38379,7 +38401,7 @@
               <a:buChar char="•"/>
             </a:pPr>
             <a:r>
-              <a:rPr lang="it-IT" sz="2800" dirty="0">
+              <a:rPr lang="it-IT" sz="2800">
                 <a:solidFill>
                   <a:schemeClr val="bg1"/>
                 </a:solidFill>
@@ -38393,14 +38415,14 @@
               <a:buChar char="•"/>
             </a:pPr>
             <a:r>
-              <a:rPr lang="it-IT" sz="2800" dirty="0">
+              <a:rPr lang="it-IT" sz="2800">
                 <a:solidFill>
                   <a:schemeClr val="bg1"/>
                 </a:solidFill>
               </a:rPr>
               <a:t>F1</a:t>
             </a:r>
-            <a:endParaRPr lang="it-IT" sz="2800" i="0" dirty="0">
+            <a:endParaRPr lang="it-IT" sz="2800" i="0">
               <a:solidFill>
                 <a:srgbClr val="000000"/>
               </a:solidFill>
@@ -38408,7 +38430,7 @@
             </a:endParaRPr>
           </a:p>
           <a:p>
-            <a:endParaRPr lang="en-US" sz="2600" i="0" dirty="0">
+            <a:endParaRPr lang="en-US" sz="2600" i="0">
               <a:solidFill>
                 <a:schemeClr val="bg1"/>
               </a:solidFill>
@@ -38446,7 +38468,7 @@
           <a:lstStyle/>
           <a:p>
             <a:r>
-              <a:rPr lang="it-IT" sz="2400" dirty="0">
+              <a:rPr lang="it-IT" sz="2400">
                 <a:solidFill>
                   <a:schemeClr val="bg1"/>
                 </a:solidFill>
@@ -38454,14 +38476,14 @@
               <a:t>Inoltre nella tabella riportata successivamente sono indicati anche i tempi di calcolo delle combinazioni di </a:t>
             </a:r>
             <a:r>
-              <a:rPr lang="it-IT" sz="2400" dirty="0" err="1">
+              <a:rPr lang="it-IT" sz="2400" err="1">
                 <a:solidFill>
                   <a:schemeClr val="bg1"/>
                 </a:solidFill>
               </a:rPr>
               <a:t>blocking+pairwise-matching</a:t>
             </a:r>
-            <a:endParaRPr lang="it-IT" sz="2400" dirty="0">
+            <a:endParaRPr lang="it-IT" sz="2400">
               <a:solidFill>
                 <a:schemeClr val="bg1"/>
               </a:solidFill>
@@ -38479,13 +38501,13 @@
   <p:clrMapOvr>
     <a:masterClrMapping/>
   </p:clrMapOvr>
-  <mc:AlternateContent xmlns:mc="http://schemas.openxmlformats.org/markup-compatibility/2006">
-    <mc:Choice xmlns:p14="http://schemas.microsoft.com/office/powerpoint/2010/main" Requires="p14">
+  <mc:AlternateContent xmlns:mc="http://schemas.openxmlformats.org/markup-compatibility/2006" xmlns:p14="http://schemas.microsoft.com/office/powerpoint/2010/main">
+    <mc:Choice Requires="p14">
       <p:transition spd="med" p14:dur="700">
         <p:fade/>
       </p:transition>
     </mc:Choice>
-    <mc:Fallback>
+    <mc:Fallback xmlns="">
       <p:transition spd="med">
         <p:fade/>
       </p:transition>
@@ -38718,7 +38740,7 @@
           <p:nvPr>
             <p:extLst>
               <p:ext uri="{D42A27DB-BD31-4B8C-83A1-F6EECF244321}">
-                <p14:modId xmlns:p14="http://schemas.microsoft.com/office/powerpoint/2010/main" val="940204683"/>
+                <p14:modId xmlns:p14="http://schemas.microsoft.com/office/powerpoint/2010/main" val="391619960"/>
               </p:ext>
             </p:extLst>
           </p:nvPr>
@@ -38778,7 +38800,7 @@
                     <a:p>
                       <a:pPr algn="ctr"/>
                       <a:r>
-                        <a:rPr lang="it-IT" sz="2400" b="1" dirty="0" err="1">
+                        <a:rPr lang="it-IT" sz="2400" b="1" err="1">
                           <a:solidFill>
                             <a:schemeClr val="bg1"/>
                           </a:solidFill>
@@ -38786,7 +38808,7 @@
                         <a:t>Jaro</a:t>
                       </a:r>
                       <a:r>
-                        <a:rPr lang="it-IT" sz="2400" b="1" dirty="0">
+                        <a:rPr lang="it-IT" sz="2400" b="1">
                           <a:solidFill>
                             <a:schemeClr val="bg1"/>
                           </a:solidFill>
@@ -38820,7 +38842,7 @@
                     <a:p>
                       <a:pPr algn="ctr"/>
                       <a:r>
-                        <a:rPr lang="it-IT" sz="2400" b="0" dirty="0">
+                        <a:rPr lang="it-IT" sz="2400" b="0">
                           <a:solidFill>
                             <a:schemeClr val="bg1"/>
                           </a:solidFill>
@@ -38851,7 +38873,7 @@
                     <a:p>
                       <a:pPr algn="ctr"/>
                       <a:r>
-                        <a:rPr lang="it-IT" sz="2400" b="0" dirty="0">
+                        <a:rPr lang="it-IT" sz="2400" b="0">
                           <a:solidFill>
                             <a:schemeClr val="bg1"/>
                           </a:solidFill>
@@ -38882,7 +38904,7 @@
                     <a:p>
                       <a:pPr algn="ctr"/>
                       <a:r>
-                        <a:rPr lang="it-IT" sz="2400" b="0" dirty="0">
+                        <a:rPr lang="it-IT" sz="2400" b="0">
                           <a:solidFill>
                             <a:schemeClr val="bg1"/>
                           </a:solidFill>
@@ -38913,7 +38935,7 @@
                     <a:p>
                       <a:pPr algn="ctr"/>
                       <a:r>
-                        <a:rPr lang="it-IT" sz="2400" b="0" dirty="0">
+                        <a:rPr lang="it-IT" sz="2400" b="0">
                           <a:solidFill>
                             <a:schemeClr val="bg1"/>
                           </a:solidFill>
@@ -38951,14 +38973,14 @@
                     <a:p>
                       <a:pPr algn="ctr"/>
                       <a:r>
-                        <a:rPr lang="it-IT" sz="2400" b="1" dirty="0" err="1">
+                        <a:rPr lang="it-IT" sz="2400" b="1" err="1">
                           <a:solidFill>
                             <a:schemeClr val="bg1"/>
                           </a:solidFill>
                         </a:rPr>
                         <a:t>DeepMatcher</a:t>
                       </a:r>
-                      <a:endParaRPr lang="it-IT" sz="2400" b="1" dirty="0">
+                      <a:endParaRPr lang="it-IT" sz="2400" b="1">
                         <a:solidFill>
                           <a:schemeClr val="bg1"/>
                         </a:solidFill>
@@ -38990,7 +39012,7 @@
                     <a:p>
                       <a:pPr algn="ctr"/>
                       <a:r>
-                        <a:rPr lang="it-IT" sz="2400" b="0" dirty="0">
+                        <a:rPr lang="it-IT" sz="2400" b="0">
                           <a:solidFill>
                             <a:schemeClr val="bg1"/>
                           </a:solidFill>
@@ -39018,7 +39040,7 @@
                     <a:p>
                       <a:pPr algn="ctr"/>
                       <a:r>
-                        <a:rPr lang="it-IT" sz="2400" b="0" dirty="0">
+                        <a:rPr lang="it-IT" sz="2400" b="0">
                           <a:solidFill>
                             <a:schemeClr val="bg1"/>
                           </a:solidFill>
@@ -39046,7 +39068,7 @@
                     <a:p>
                       <a:pPr algn="ctr"/>
                       <a:r>
-                        <a:rPr lang="it-IT" sz="2400" b="0" dirty="0">
+                        <a:rPr lang="it-IT" sz="2400" b="0">
                           <a:solidFill>
                             <a:schemeClr val="bg1"/>
                           </a:solidFill>
@@ -39079,7 +39101,7 @@
                             <a:schemeClr val="bg1"/>
                           </a:solidFill>
                         </a:rPr>
-                        <a:t>12m</a:t>
+                        <a:t>3.2m</a:t>
                       </a:r>
                     </a:p>
                   </a:txBody>
@@ -39109,7 +39131,7 @@
                     <a:p>
                       <a:pPr algn="ctr"/>
                       <a:r>
-                        <a:rPr lang="it-IT" sz="2400" b="1" dirty="0">
+                        <a:rPr lang="it-IT" sz="2400" b="1">
                           <a:solidFill>
                             <a:schemeClr val="bg1"/>
                           </a:solidFill>
@@ -39134,7 +39156,7 @@
                     <a:p>
                       <a:pPr algn="ctr"/>
                       <a:r>
-                        <a:rPr lang="it-IT" sz="2400" b="0" dirty="0">
+                        <a:rPr lang="it-IT" sz="2400" b="0">
                           <a:solidFill>
                             <a:schemeClr val="bg1"/>
                           </a:solidFill>
@@ -39152,7 +39174,7 @@
                     <a:p>
                       <a:pPr algn="ctr"/>
                       <a:r>
-                        <a:rPr lang="it-IT" sz="2400" b="0" dirty="0">
+                        <a:rPr lang="it-IT" sz="2400" b="0">
                           <a:solidFill>
                             <a:schemeClr val="bg1"/>
                           </a:solidFill>
@@ -39170,7 +39192,7 @@
                     <a:p>
                       <a:pPr algn="ctr"/>
                       <a:r>
-                        <a:rPr lang="it-IT" sz="2400" b="0" dirty="0">
+                        <a:rPr lang="it-IT" sz="2400" b="0">
                           <a:solidFill>
                             <a:schemeClr val="bg1"/>
                           </a:solidFill>
@@ -39192,12 +39214,12 @@
                     <a:p>
                       <a:pPr algn="ctr"/>
                       <a:r>
-                        <a:rPr lang="it-IT" sz="2400" b="0" dirty="0">
+                        <a:rPr lang="it-IT" sz="2400" b="0" u="sng" dirty="0">
                           <a:solidFill>
                             <a:schemeClr val="bg1"/>
                           </a:solidFill>
                         </a:rPr>
-                        <a:t>37m</a:t>
+                        <a:t>3.4m</a:t>
                       </a:r>
                     </a:p>
                   </a:txBody>
@@ -39233,7 +39255,7 @@
                         <a:defRPr/>
                       </a:pPr>
                       <a:r>
-                        <a:rPr lang="it-IT" sz="2400" b="1" dirty="0" err="1">
+                        <a:rPr lang="it-IT" sz="2400" b="1" err="1">
                           <a:solidFill>
                             <a:schemeClr val="bg1"/>
                           </a:solidFill>
@@ -39241,7 +39263,7 @@
                         <a:t>Jaro</a:t>
                       </a:r>
                       <a:r>
-                        <a:rPr lang="it-IT" sz="2400" b="1" dirty="0">
+                        <a:rPr lang="it-IT" sz="2400" b="1">
                           <a:solidFill>
                             <a:schemeClr val="bg1"/>
                           </a:solidFill>
@@ -39266,7 +39288,7 @@
                     <a:p>
                       <a:pPr algn="ctr"/>
                       <a:r>
-                        <a:rPr lang="it-IT" sz="2400" b="0" dirty="0">
+                        <a:rPr lang="it-IT" sz="2400" b="0">
                           <a:solidFill>
                             <a:schemeClr val="bg1"/>
                           </a:solidFill>
@@ -39284,7 +39306,7 @@
                     <a:p>
                       <a:pPr algn="ctr"/>
                       <a:r>
-                        <a:rPr lang="it-IT" sz="2400" b="0" dirty="0">
+                        <a:rPr lang="it-IT" sz="2400" b="0">
                           <a:solidFill>
                             <a:schemeClr val="bg1"/>
                           </a:solidFill>
@@ -39302,7 +39324,7 @@
                     <a:p>
                       <a:pPr algn="ctr"/>
                       <a:r>
-                        <a:rPr lang="it-IT" sz="2400" b="0" dirty="0">
+                        <a:rPr lang="it-IT" sz="2400" b="0">
                           <a:solidFill>
                             <a:schemeClr val="bg1"/>
                           </a:solidFill>
@@ -39320,7 +39342,7 @@
                     <a:p>
                       <a:pPr algn="ctr"/>
                       <a:r>
-                        <a:rPr lang="it-IT" sz="2400" b="0" dirty="0">
+                        <a:rPr lang="it-IT" sz="2400" b="0">
                           <a:solidFill>
                             <a:schemeClr val="bg1"/>
                           </a:solidFill>
@@ -39361,14 +39383,14 @@
                         <a:defRPr/>
                       </a:pPr>
                       <a:r>
-                        <a:rPr lang="it-IT" sz="2400" b="1" dirty="0" err="1">
+                        <a:rPr lang="it-IT" sz="2400" b="1" err="1">
                           <a:solidFill>
                             <a:schemeClr val="bg1"/>
                           </a:solidFill>
                         </a:rPr>
                         <a:t>DeepMatcher</a:t>
                       </a:r>
-                      <a:endParaRPr lang="it-IT" sz="2400" b="1" dirty="0">
+                      <a:endParaRPr lang="it-IT" sz="2400" b="1">
                         <a:solidFill>
                           <a:schemeClr val="bg1"/>
                         </a:solidFill>
@@ -39391,7 +39413,7 @@
                     <a:p>
                       <a:pPr algn="ctr"/>
                       <a:r>
-                        <a:rPr lang="it-IT" sz="2400" b="0" dirty="0">
+                        <a:rPr lang="it-IT" sz="2400" b="0">
                           <a:solidFill>
                             <a:schemeClr val="bg1"/>
                           </a:solidFill>
@@ -39409,7 +39431,7 @@
                     <a:p>
                       <a:pPr algn="ctr"/>
                       <a:r>
-                        <a:rPr lang="it-IT" sz="2400" b="0" dirty="0">
+                        <a:rPr lang="it-IT" sz="2400" b="0">
                           <a:solidFill>
                             <a:schemeClr val="bg1"/>
                           </a:solidFill>
@@ -39427,7 +39449,7 @@
                     <a:p>
                       <a:pPr algn="ctr"/>
                       <a:r>
-                        <a:rPr lang="it-IT" sz="2400" b="0" dirty="0">
+                        <a:rPr lang="it-IT" sz="2400" b="0">
                           <a:solidFill>
                             <a:schemeClr val="bg1"/>
                           </a:solidFill>
@@ -39450,7 +39472,7 @@
                             <a:schemeClr val="bg1"/>
                           </a:solidFill>
                         </a:rPr>
-                        <a:t>17m</a:t>
+                        <a:t>17.3m</a:t>
                       </a:r>
                     </a:p>
                   </a:txBody>
@@ -39486,7 +39508,7 @@
                         <a:defRPr/>
                       </a:pPr>
                       <a:r>
-                        <a:rPr lang="it-IT" sz="2400" b="1" dirty="0">
+                        <a:rPr lang="it-IT" sz="2400" b="1">
                           <a:solidFill>
                             <a:schemeClr val="bg1"/>
                           </a:solidFill>
@@ -39511,7 +39533,43 @@
                     <a:p>
                       <a:pPr algn="ctr"/>
                       <a:r>
-                        <a:rPr lang="it-IT" sz="2400" b="0" dirty="0">
+                        <a:rPr lang="it-IT" sz="2400" b="0">
+                          <a:solidFill>
+                            <a:schemeClr val="bg1"/>
+                          </a:solidFill>
+                        </a:rPr>
+                        <a:t>0.97</a:t>
+                      </a:r>
+                    </a:p>
+                  </a:txBody>
+                  <a:tcPr anchor="ctr"/>
+                </a:tc>
+                <a:tc>
+                  <a:txBody>
+                    <a:bodyPr/>
+                    <a:lstStyle/>
+                    <a:p>
+                      <a:pPr algn="ctr"/>
+                      <a:r>
+                        <a:rPr lang="it-IT" sz="2400" b="0">
+                          <a:solidFill>
+                            <a:schemeClr val="bg1"/>
+                          </a:solidFill>
+                        </a:rPr>
+                        <a:t>0.98</a:t>
+                      </a:r>
+                    </a:p>
+                  </a:txBody>
+                  <a:tcPr anchor="ctr"/>
+                </a:tc>
+                <a:tc>
+                  <a:txBody>
+                    <a:bodyPr/>
+                    <a:lstStyle/>
+                    <a:p>
+                      <a:pPr algn="ctr"/>
+                      <a:r>
+                        <a:rPr lang="it-IT" sz="2400" b="0">
                           <a:solidFill>
                             <a:schemeClr val="bg1"/>
                           </a:solidFill>
@@ -39534,43 +39592,7 @@
                             <a:schemeClr val="bg1"/>
                           </a:solidFill>
                         </a:rPr>
-                        <a:t>0.98</a:t>
-                      </a:r>
-                    </a:p>
-                  </a:txBody>
-                  <a:tcPr anchor="ctr"/>
-                </a:tc>
-                <a:tc>
-                  <a:txBody>
-                    <a:bodyPr/>
-                    <a:lstStyle/>
-                    <a:p>
-                      <a:pPr algn="ctr"/>
-                      <a:r>
-                        <a:rPr lang="it-IT" sz="2400" b="0" dirty="0">
-                          <a:solidFill>
-                            <a:schemeClr val="bg1"/>
-                          </a:solidFill>
-                        </a:rPr>
-                        <a:t>0.97</a:t>
-                      </a:r>
-                    </a:p>
-                  </a:txBody>
-                  <a:tcPr anchor="ctr"/>
-                </a:tc>
-                <a:tc>
-                  <a:txBody>
-                    <a:bodyPr/>
-                    <a:lstStyle/>
-                    <a:p>
-                      <a:pPr algn="ctr"/>
-                      <a:r>
-                        <a:rPr lang="it-IT" sz="2400" b="0" dirty="0">
-                          <a:solidFill>
-                            <a:schemeClr val="bg1"/>
-                          </a:solidFill>
-                        </a:rPr>
-                        <a:t>70m</a:t>
+                        <a:t>15.6m</a:t>
                       </a:r>
                     </a:p>
                   </a:txBody>
@@ -39631,7 +39653,7 @@
                     <a:p>
                       <a:pPr algn="ctr"/>
                       <a:r>
-                        <a:rPr lang="it-IT" sz="2800" b="1" dirty="0">
+                        <a:rPr lang="it-IT" sz="2800" b="1">
                           <a:solidFill>
                             <a:schemeClr val="bg1"/>
                           </a:solidFill>
@@ -39728,7 +39750,7 @@
                     <a:p>
                       <a:pPr algn="ctr"/>
                       <a:r>
-                        <a:rPr lang="it-IT" sz="2800" b="1" dirty="0">
+                        <a:rPr lang="it-IT" sz="2800" b="1">
                           <a:solidFill>
                             <a:schemeClr val="bg1"/>
                           </a:solidFill>
@@ -39825,7 +39847,7 @@
                     <a:p>
                       <a:pPr algn="ctr"/>
                       <a:r>
-                        <a:rPr lang="it-IT" sz="2800" b="1" dirty="0">
+                        <a:rPr lang="it-IT" sz="2800" b="1">
                           <a:solidFill>
                             <a:schemeClr val="bg1"/>
                           </a:solidFill>
@@ -39833,14 +39855,14 @@
                         <a:t>F-</a:t>
                       </a:r>
                       <a:r>
-                        <a:rPr lang="it-IT" sz="2800" b="1" dirty="0" err="1">
+                        <a:rPr lang="it-IT" sz="2800" b="1" err="1">
                           <a:solidFill>
                             <a:schemeClr val="bg1"/>
                           </a:solidFill>
                         </a:rPr>
                         <a:t>Measure</a:t>
                       </a:r>
-                      <a:endParaRPr lang="it-IT" sz="2800" b="1" dirty="0">
+                      <a:endParaRPr lang="it-IT" sz="2800" b="1">
                         <a:solidFill>
                           <a:schemeClr val="bg1"/>
                         </a:solidFill>
@@ -39935,7 +39957,7 @@
                     <a:p>
                       <a:pPr algn="ctr"/>
                       <a:r>
-                        <a:rPr lang="it-IT" sz="2800" b="1" dirty="0">
+                        <a:rPr lang="it-IT" sz="2800" b="1">
                           <a:solidFill>
                             <a:schemeClr val="bg1"/>
                           </a:solidFill>
@@ -40032,7 +40054,7 @@
                     <a:p>
                       <a:pPr algn="ctr"/>
                       <a:r>
-                        <a:rPr lang="it-IT" sz="2800" b="1" dirty="0">
+                        <a:rPr lang="it-IT" sz="2800" b="1">
                           <a:solidFill>
                             <a:schemeClr val="bg1"/>
                           </a:solidFill>
@@ -40043,7 +40065,7 @@
                     <a:p>
                       <a:pPr algn="ctr"/>
                       <a:r>
-                        <a:rPr lang="it-IT" sz="2800" b="1" dirty="0">
+                        <a:rPr lang="it-IT" sz="2800" b="1">
                           <a:solidFill>
                             <a:schemeClr val="bg1"/>
                           </a:solidFill>
@@ -40140,7 +40162,7 @@
                     <a:p>
                       <a:pPr algn="ctr"/>
                       <a:r>
-                        <a:rPr lang="it-IT" sz="2800" b="1" dirty="0">
+                        <a:rPr lang="it-IT" sz="2800" b="1">
                           <a:solidFill>
                             <a:schemeClr val="bg1"/>
                           </a:solidFill>
@@ -40151,7 +40173,7 @@
                     <a:p>
                       <a:pPr algn="ctr"/>
                       <a:r>
-                        <a:rPr lang="it-IT" sz="2800" b="1" dirty="0">
+                        <a:rPr lang="it-IT" sz="2800" b="1">
                           <a:solidFill>
                             <a:schemeClr val="bg1"/>
                           </a:solidFill>
@@ -40159,14 +40181,14 @@
                         <a:t>Bi-</a:t>
                       </a:r>
                       <a:r>
-                        <a:rPr lang="it-IT" sz="2800" b="1" dirty="0" err="1">
+                        <a:rPr lang="it-IT" sz="2800" b="1" err="1">
                           <a:solidFill>
                             <a:schemeClr val="bg1"/>
                           </a:solidFill>
                         </a:rPr>
                         <a:t>Grams</a:t>
                       </a:r>
-                      <a:endParaRPr lang="it-IT" sz="2800" b="1" dirty="0">
+                      <a:endParaRPr lang="it-IT" sz="2800" b="1">
                         <a:solidFill>
                           <a:schemeClr val="bg1"/>
                         </a:solidFill>
@@ -42002,7 +42024,7 @@
           <a:lstStyle/>
           <a:p>
             <a:pPr algn="ctr"/>
-            <a:endParaRPr lang="it-IT" dirty="0"/>
+            <a:endParaRPr lang="it-IT"/>
           </a:p>
         </p:txBody>
       </p:sp>
@@ -42035,7 +42057,7 @@
           <a:lstStyle/>
           <a:p>
             <a:r>
-              <a:rPr lang="it-IT" sz="3200" b="1" dirty="0" err="1">
+              <a:rPr lang="it-IT" sz="3200" b="1" err="1">
                 <a:solidFill>
                   <a:schemeClr val="bg1"/>
                 </a:solidFill>
@@ -42043,7 +42065,7 @@
               <a:t>Embedding</a:t>
             </a:r>
             <a:r>
-              <a:rPr lang="it-IT" sz="3200" b="1" dirty="0">
+              <a:rPr lang="it-IT" sz="3200" b="1">
                 <a:solidFill>
                   <a:schemeClr val="bg1"/>
                 </a:solidFill>
@@ -42295,7 +42317,7 @@
           <a:p>
             <a:pPr algn="ctr"/>
             <a:r>
-              <a:rPr lang="it-IT" sz="3200" b="1" dirty="0">
+              <a:rPr lang="it-IT" sz="3200" b="1">
                 <a:solidFill>
                   <a:schemeClr val="bg1"/>
                 </a:solidFill>
@@ -42685,7 +42707,7 @@
           <a:lstStyle/>
           <a:p>
             <a:r>
-              <a:rPr lang="it-IT" sz="3200" b="1" dirty="0">
+              <a:rPr lang="it-IT" sz="3200" b="1">
                 <a:solidFill>
                   <a:schemeClr val="bg1"/>
                 </a:solidFill>
@@ -42705,13 +42727,13 @@
   <p:clrMapOvr>
     <a:masterClrMapping/>
   </p:clrMapOvr>
-  <mc:AlternateContent xmlns:mc="http://schemas.openxmlformats.org/markup-compatibility/2006">
-    <mc:Choice xmlns:p14="http://schemas.microsoft.com/office/powerpoint/2010/main" Requires="p14">
+  <mc:AlternateContent xmlns:mc="http://schemas.openxmlformats.org/markup-compatibility/2006" xmlns:p14="http://schemas.microsoft.com/office/powerpoint/2010/main">
+    <mc:Choice Requires="p14">
       <p:transition spd="med" p14:dur="700">
         <p:fade/>
       </p:transition>
     </mc:Choice>
-    <mc:Fallback>
+    <mc:Fallback xmlns="">
       <p:transition spd="med">
         <p:fade/>
       </p:transition>
@@ -45878,13 +45900,13 @@
   <p:clrMapOvr>
     <a:masterClrMapping/>
   </p:clrMapOvr>
-  <mc:AlternateContent xmlns:mc="http://schemas.openxmlformats.org/markup-compatibility/2006">
-    <mc:Choice xmlns:p14="http://schemas.microsoft.com/office/powerpoint/2010/main" Requires="p14">
+  <mc:AlternateContent xmlns:mc="http://schemas.openxmlformats.org/markup-compatibility/2006" xmlns:p14="http://schemas.microsoft.com/office/powerpoint/2010/main">
+    <mc:Choice Requires="p14">
       <p:transition spd="med" p14:dur="700">
         <p:fade/>
       </p:transition>
     </mc:Choice>
-    <mc:Fallback>
+    <mc:Fallback xmlns="">
       <p:transition spd="med">
         <p:fade/>
       </p:transition>
@@ -46893,23 +46915,7 @@
                   <a:schemeClr val="bg1"/>
                 </a:solidFill>
               </a:rPr>
-              <a:t>Inoltre, per entrambe le tecniche abbiamo </a:t>
-            </a:r>
-            <a:r>
-              <a:rPr lang="it-IT" sz="2800" dirty="0">
-                <a:solidFill>
-                  <a:schemeClr val="bg1"/>
-                </a:solidFill>
-              </a:rPr>
-              <a:t>una variante</a:t>
-            </a:r>
-            <a:r>
-              <a:rPr lang="it-IT" sz="2800">
-                <a:solidFill>
-                  <a:schemeClr val="bg1"/>
-                </a:solidFill>
-              </a:rPr>
-              <a:t>. Infatti possiamo aggiungere al vettore generato l’acronimo del nome. Da notare come questo può aumentare la recall ma diminuire la </a:t>
+              <a:t>Inoltre, per entrambe le tecniche abbiamo una variante. Infatti possiamo aggiungere al vettore generato l’acronimo del nome. Da notare come questo può aumentare la recall ma diminuire la </a:t>
             </a:r>
             <a:r>
               <a:rPr lang="it-IT" sz="2800" err="1">
@@ -48332,24 +48338,6 @@
 </file>
 
 <file path=customXml/item1.xml><?xml version="1.0" encoding="utf-8"?>
-<p:properties xmlns:p="http://schemas.microsoft.com/office/2006/metadata/properties" xmlns:xsi="http://www.w3.org/2001/XMLSchema-instance" xmlns:pc="http://schemas.microsoft.com/office/infopath/2007/PartnerControls">
-  <documentManagement>
-    <MediaServiceKeyPoints xmlns="0201da8c-1c73-453f-858d-123e44f7474c" xsi:nil="true"/>
-    <_activity xmlns="0201da8c-1c73-453f-858d-123e44f7474c" xsi:nil="true"/>
-  </documentManagement>
-</p:properties>
-</file>
-
-<file path=customXml/item2.xml><?xml version="1.0" encoding="utf-8"?>
-<?mso-contentType ?>
-<FormTemplates xmlns="http://schemas.microsoft.com/sharepoint/v3/contenttype/forms">
-  <Display>DocumentLibraryForm</Display>
-  <Edit>DocumentLibraryForm</Edit>
-  <New>DocumentLibraryForm</New>
-</FormTemplates>
-</file>
-
-<file path=customXml/item3.xml><?xml version="1.0" encoding="utf-8"?>
 <ct:contentTypeSchema xmlns:ct="http://schemas.microsoft.com/office/2006/metadata/contentType" xmlns:ma="http://schemas.microsoft.com/office/2006/metadata/properties/metaAttributes" ct:_="" ma:_="" ma:contentTypeName="Documento" ma:contentTypeID="0x010100085A20C8BC3DD5458F70DD55CCBA85FC" ma:contentTypeVersion="8" ma:contentTypeDescription="Creare un nuovo documento." ma:contentTypeScope="" ma:versionID="a60485f95731a956cbfa1386d5fe1d2b">
   <xsd:schema xmlns:xsd="http://www.w3.org/2001/XMLSchema" xmlns:xs="http://www.w3.org/2001/XMLSchema" xmlns:p="http://schemas.microsoft.com/office/2006/metadata/properties" xmlns:ns3="0201da8c-1c73-453f-858d-123e44f7474c" targetNamespace="http://schemas.microsoft.com/office/2006/metadata/properties" ma:root="true" ma:fieldsID="3f649a8787044d9c0a4068a8d0734d63" ns3:_="">
     <xsd:import namespace="0201da8c-1c73-453f-858d-123e44f7474c"/>
@@ -48519,31 +48507,25 @@
 </ct:contentTypeSchema>
 </file>
 
-<file path=customXml/itemProps1.xml><?xml version="1.0" encoding="utf-8"?>
-<ds:datastoreItem xmlns:ds="http://schemas.openxmlformats.org/officeDocument/2006/customXml" ds:itemID="{0E506F55-A469-454B-8FCA-6F8BCF9DAA6B}">
-  <ds:schemaRefs>
-    <ds:schemaRef ds:uri="http://purl.org/dc/terms/"/>
-    <ds:schemaRef ds:uri="http://www.w3.org/XML/1998/namespace"/>
-    <ds:schemaRef ds:uri="http://schemas.microsoft.com/office/infopath/2007/PartnerControls"/>
-    <ds:schemaRef ds:uri="http://schemas.openxmlformats.org/package/2006/metadata/core-properties"/>
-    <ds:schemaRef ds:uri="http://purl.org/dc/dcmitype/"/>
-    <ds:schemaRef ds:uri="http://schemas.microsoft.com/office/2006/documentManagement/types"/>
-    <ds:schemaRef ds:uri="http://schemas.microsoft.com/office/2006/metadata/properties"/>
-    <ds:schemaRef ds:uri="0201da8c-1c73-453f-858d-123e44f7474c"/>
-    <ds:schemaRef ds:uri="http://purl.org/dc/elements/1.1/"/>
-  </ds:schemaRefs>
-</ds:datastoreItem>
+<file path=customXml/item2.xml><?xml version="1.0" encoding="utf-8"?>
+<?mso-contentType ?>
+<FormTemplates xmlns="http://schemas.microsoft.com/sharepoint/v3/contenttype/forms">
+  <Display>DocumentLibraryForm</Display>
+  <Edit>DocumentLibraryForm</Edit>
+  <New>DocumentLibraryForm</New>
+</FormTemplates>
 </file>
 
-<file path=customXml/itemProps2.xml><?xml version="1.0" encoding="utf-8"?>
-<ds:datastoreItem xmlns:ds="http://schemas.openxmlformats.org/officeDocument/2006/customXml" ds:itemID="{8C0CC34A-D535-41BC-8B48-A0E1EA32D7E8}">
-  <ds:schemaRefs>
-    <ds:schemaRef ds:uri="http://schemas.microsoft.com/sharepoint/v3/contenttype/forms"/>
-  </ds:schemaRefs>
-</ds:datastoreItem>
+<file path=customXml/item3.xml><?xml version="1.0" encoding="utf-8"?>
+<p:properties xmlns:p="http://schemas.microsoft.com/office/2006/metadata/properties" xmlns:xsi="http://www.w3.org/2001/XMLSchema-instance" xmlns:pc="http://schemas.microsoft.com/office/infopath/2007/PartnerControls">
+  <documentManagement>
+    <MediaServiceKeyPoints xmlns="0201da8c-1c73-453f-858d-123e44f7474c" xsi:nil="true"/>
+    <_activity xmlns="0201da8c-1c73-453f-858d-123e44f7474c" xsi:nil="true"/>
+  </documentManagement>
+</p:properties>
 </file>
 
-<file path=customXml/itemProps3.xml><?xml version="1.0" encoding="utf-8"?>
+<file path=customXml/itemProps1.xml><?xml version="1.0" encoding="utf-8"?>
 <ds:datastoreItem xmlns:ds="http://schemas.openxmlformats.org/officeDocument/2006/customXml" ds:itemID="{4150A741-67F4-4CEF-85C7-4BAE7A80DEC4}">
   <ds:schemaRefs>
     <ds:schemaRef ds:uri="0201da8c-1c73-453f-858d-123e44f7474c"/>
@@ -48561,6 +48543,30 @@
 </ds:datastoreItem>
 </file>
 
+<file path=customXml/itemProps2.xml><?xml version="1.0" encoding="utf-8"?>
+<ds:datastoreItem xmlns:ds="http://schemas.openxmlformats.org/officeDocument/2006/customXml" ds:itemID="{8C0CC34A-D535-41BC-8B48-A0E1EA32D7E8}">
+  <ds:schemaRefs>
+    <ds:schemaRef ds:uri="http://schemas.microsoft.com/sharepoint/v3/contenttype/forms"/>
+  </ds:schemaRefs>
+</ds:datastoreItem>
+</file>
+
+<file path=customXml/itemProps3.xml><?xml version="1.0" encoding="utf-8"?>
+<ds:datastoreItem xmlns:ds="http://schemas.openxmlformats.org/officeDocument/2006/customXml" ds:itemID="{0E506F55-A469-454B-8FCA-6F8BCF9DAA6B}">
+  <ds:schemaRefs>
+    <ds:schemaRef ds:uri="http://purl.org/dc/elements/1.1/"/>
+    <ds:schemaRef ds:uri="0201da8c-1c73-453f-858d-123e44f7474c"/>
+    <ds:schemaRef ds:uri="http://www.w3.org/XML/1998/namespace"/>
+    <ds:schemaRef ds:uri="http://schemas.microsoft.com/office/2006/documentManagement/types"/>
+    <ds:schemaRef ds:uri="http://purl.org/dc/terms/"/>
+    <ds:schemaRef ds:uri="http://schemas.microsoft.com/office/infopath/2007/PartnerControls"/>
+    <ds:schemaRef ds:uri="http://schemas.openxmlformats.org/package/2006/metadata/core-properties"/>
+    <ds:schemaRef ds:uri="http://schemas.microsoft.com/office/2006/metadata/properties"/>
+    <ds:schemaRef ds:uri="http://purl.org/dc/dcmitype/"/>
+  </ds:schemaRefs>
+</ds:datastoreItem>
+</file>
+
 <file path=docMetadata/LabelInfo.xml><?xml version="1.0" encoding="utf-8"?>
 <clbl:labelList xmlns:clbl="http://schemas.microsoft.com/office/2020/mipLabelMetadata">
   <clbl:label id="{f42aa342-8706-4288-bd11-ebb85995028c}" enabled="1" method="Standard" siteId="{72f988bf-86f1-41af-91ab-2d7cd011db47}" contentBits="0" removed="0"/>

--- a/project-5/IDD-project5-presentation.pptx
+++ b/project-5/IDD-project5-presentation.pptx
@@ -38740,7 +38740,7 @@
           <p:nvPr>
             <p:extLst>
               <p:ext uri="{D42A27DB-BD31-4B8C-83A1-F6EECF244321}">
-                <p14:modId xmlns:p14="http://schemas.microsoft.com/office/powerpoint/2010/main" val="391619960"/>
+                <p14:modId xmlns:p14="http://schemas.microsoft.com/office/powerpoint/2010/main" val="2989416096"/>
               </p:ext>
             </p:extLst>
           </p:nvPr>
@@ -39012,7 +39012,7 @@
                     <a:p>
                       <a:pPr algn="ctr"/>
                       <a:r>
-                        <a:rPr lang="it-IT" sz="2400" b="0">
+                        <a:rPr lang="it-IT" sz="2400" b="0" dirty="0">
                           <a:solidFill>
                             <a:schemeClr val="bg1"/>
                           </a:solidFill>
@@ -39040,7 +39040,7 @@
                     <a:p>
                       <a:pPr algn="ctr"/>
                       <a:r>
-                        <a:rPr lang="it-IT" sz="2400" b="0">
+                        <a:rPr lang="it-IT" sz="2400" b="0" dirty="0">
                           <a:solidFill>
                             <a:schemeClr val="bg1"/>
                           </a:solidFill>
@@ -39214,7 +39214,7 @@
                     <a:p>
                       <a:pPr algn="ctr"/>
                       <a:r>
-                        <a:rPr lang="it-IT" sz="2400" b="0" u="sng" dirty="0">
+                        <a:rPr lang="it-IT" sz="2400" b="0" u="none" dirty="0">
                           <a:solidFill>
                             <a:schemeClr val="bg1"/>
                           </a:solidFill>
@@ -40736,36 +40736,41 @@
             <p:ph idx="1"/>
           </p:nvPr>
         </p:nvSpPr>
-        <p:spPr/>
+        <p:spPr>
+          <a:xfrm>
+            <a:off x="838200" y="2146655"/>
+            <a:ext cx="10515600" cy="3545204"/>
+          </a:xfrm>
+        </p:spPr>
         <p:txBody>
           <a:bodyPr/>
           <a:lstStyle/>
           <a:p>
             <a:r>
-              <a:rPr lang="it-IT"/>
+              <a:rPr lang="it-IT" dirty="0"/>
               <a:t>Il progetto si è focalizzato sull’integrazione di 16 sorgenti contenenti dati su varie aziende</a:t>
             </a:r>
           </a:p>
           <a:p>
             <a:r>
-              <a:rPr lang="it-IT"/>
+              <a:rPr lang="it-IT" dirty="0"/>
               <a:t>Ovviamente diverse aziende avevano diversi campi (attributi) per descrivere i dati aziendali</a:t>
             </a:r>
           </a:p>
           <a:p>
             <a:r>
-              <a:rPr lang="it-IT"/>
+              <a:rPr lang="it-IT" dirty="0"/>
               <a:t>Per esempio erano spesso presenti attributi come «nome», «market </a:t>
             </a:r>
             <a:r>
-              <a:rPr lang="it-IT" err="1"/>
+              <a:rPr lang="it-IT" dirty="0" err="1"/>
               <a:t>cap</a:t>
             </a:r>
             <a:r>
-              <a:rPr lang="it-IT"/>
+              <a:rPr lang="it-IT" dirty="0"/>
               <a:t>», «website» …</a:t>
             </a:r>
-            <a:endParaRPr lang="en-US"/>
+            <a:endParaRPr lang="en-US" dirty="0"/>
           </a:p>
         </p:txBody>
       </p:sp>
@@ -48338,6 +48343,24 @@
 </file>
 
 <file path=customXml/item1.xml><?xml version="1.0" encoding="utf-8"?>
+<p:properties xmlns:p="http://schemas.microsoft.com/office/2006/metadata/properties" xmlns:xsi="http://www.w3.org/2001/XMLSchema-instance" xmlns:pc="http://schemas.microsoft.com/office/infopath/2007/PartnerControls">
+  <documentManagement>
+    <MediaServiceKeyPoints xmlns="0201da8c-1c73-453f-858d-123e44f7474c" xsi:nil="true"/>
+    <_activity xmlns="0201da8c-1c73-453f-858d-123e44f7474c" xsi:nil="true"/>
+  </documentManagement>
+</p:properties>
+</file>
+
+<file path=customXml/item2.xml><?xml version="1.0" encoding="utf-8"?>
+<?mso-contentType ?>
+<FormTemplates xmlns="http://schemas.microsoft.com/sharepoint/v3/contenttype/forms">
+  <Display>DocumentLibraryForm</Display>
+  <Edit>DocumentLibraryForm</Edit>
+  <New>DocumentLibraryForm</New>
+</FormTemplates>
+</file>
+
+<file path=customXml/item3.xml><?xml version="1.0" encoding="utf-8"?>
 <ct:contentTypeSchema xmlns:ct="http://schemas.microsoft.com/office/2006/metadata/contentType" xmlns:ma="http://schemas.microsoft.com/office/2006/metadata/properties/metaAttributes" ct:_="" ma:_="" ma:contentTypeName="Documento" ma:contentTypeID="0x010100085A20C8BC3DD5458F70DD55CCBA85FC" ma:contentTypeVersion="8" ma:contentTypeDescription="Creare un nuovo documento." ma:contentTypeScope="" ma:versionID="a60485f95731a956cbfa1386d5fe1d2b">
   <xsd:schema xmlns:xsd="http://www.w3.org/2001/XMLSchema" xmlns:xs="http://www.w3.org/2001/XMLSchema" xmlns:p="http://schemas.microsoft.com/office/2006/metadata/properties" xmlns:ns3="0201da8c-1c73-453f-858d-123e44f7474c" targetNamespace="http://schemas.microsoft.com/office/2006/metadata/properties" ma:root="true" ma:fieldsID="3f649a8787044d9c0a4068a8d0734d63" ns3:_="">
     <xsd:import namespace="0201da8c-1c73-453f-858d-123e44f7474c"/>
@@ -48507,25 +48530,31 @@
 </ct:contentTypeSchema>
 </file>
 
-<file path=customXml/item2.xml><?xml version="1.0" encoding="utf-8"?>
-<?mso-contentType ?>
-<FormTemplates xmlns="http://schemas.microsoft.com/sharepoint/v3/contenttype/forms">
-  <Display>DocumentLibraryForm</Display>
-  <Edit>DocumentLibraryForm</Edit>
-  <New>DocumentLibraryForm</New>
-</FormTemplates>
+<file path=customXml/itemProps1.xml><?xml version="1.0" encoding="utf-8"?>
+<ds:datastoreItem xmlns:ds="http://schemas.openxmlformats.org/officeDocument/2006/customXml" ds:itemID="{0E506F55-A469-454B-8FCA-6F8BCF9DAA6B}">
+  <ds:schemaRefs>
+    <ds:schemaRef ds:uri="http://purl.org/dc/elements/1.1/"/>
+    <ds:schemaRef ds:uri="0201da8c-1c73-453f-858d-123e44f7474c"/>
+    <ds:schemaRef ds:uri="http://www.w3.org/XML/1998/namespace"/>
+    <ds:schemaRef ds:uri="http://schemas.microsoft.com/office/2006/documentManagement/types"/>
+    <ds:schemaRef ds:uri="http://purl.org/dc/terms/"/>
+    <ds:schemaRef ds:uri="http://schemas.microsoft.com/office/infopath/2007/PartnerControls"/>
+    <ds:schemaRef ds:uri="http://schemas.openxmlformats.org/package/2006/metadata/core-properties"/>
+    <ds:schemaRef ds:uri="http://schemas.microsoft.com/office/2006/metadata/properties"/>
+    <ds:schemaRef ds:uri="http://purl.org/dc/dcmitype/"/>
+  </ds:schemaRefs>
+</ds:datastoreItem>
 </file>
 
-<file path=customXml/item3.xml><?xml version="1.0" encoding="utf-8"?>
-<p:properties xmlns:p="http://schemas.microsoft.com/office/2006/metadata/properties" xmlns:xsi="http://www.w3.org/2001/XMLSchema-instance" xmlns:pc="http://schemas.microsoft.com/office/infopath/2007/PartnerControls">
-  <documentManagement>
-    <MediaServiceKeyPoints xmlns="0201da8c-1c73-453f-858d-123e44f7474c" xsi:nil="true"/>
-    <_activity xmlns="0201da8c-1c73-453f-858d-123e44f7474c" xsi:nil="true"/>
-  </documentManagement>
-</p:properties>
+<file path=customXml/itemProps2.xml><?xml version="1.0" encoding="utf-8"?>
+<ds:datastoreItem xmlns:ds="http://schemas.openxmlformats.org/officeDocument/2006/customXml" ds:itemID="{8C0CC34A-D535-41BC-8B48-A0E1EA32D7E8}">
+  <ds:schemaRefs>
+    <ds:schemaRef ds:uri="http://schemas.microsoft.com/sharepoint/v3/contenttype/forms"/>
+  </ds:schemaRefs>
+</ds:datastoreItem>
 </file>
 
-<file path=customXml/itemProps1.xml><?xml version="1.0" encoding="utf-8"?>
+<file path=customXml/itemProps3.xml><?xml version="1.0" encoding="utf-8"?>
 <ds:datastoreItem xmlns:ds="http://schemas.openxmlformats.org/officeDocument/2006/customXml" ds:itemID="{4150A741-67F4-4CEF-85C7-4BAE7A80DEC4}">
   <ds:schemaRefs>
     <ds:schemaRef ds:uri="0201da8c-1c73-453f-858d-123e44f7474c"/>
@@ -48543,30 +48572,6 @@
 </ds:datastoreItem>
 </file>
 
-<file path=customXml/itemProps2.xml><?xml version="1.0" encoding="utf-8"?>
-<ds:datastoreItem xmlns:ds="http://schemas.openxmlformats.org/officeDocument/2006/customXml" ds:itemID="{8C0CC34A-D535-41BC-8B48-A0E1EA32D7E8}">
-  <ds:schemaRefs>
-    <ds:schemaRef ds:uri="http://schemas.microsoft.com/sharepoint/v3/contenttype/forms"/>
-  </ds:schemaRefs>
-</ds:datastoreItem>
-</file>
-
-<file path=customXml/itemProps3.xml><?xml version="1.0" encoding="utf-8"?>
-<ds:datastoreItem xmlns:ds="http://schemas.openxmlformats.org/officeDocument/2006/customXml" ds:itemID="{0E506F55-A469-454B-8FCA-6F8BCF9DAA6B}">
-  <ds:schemaRefs>
-    <ds:schemaRef ds:uri="http://purl.org/dc/elements/1.1/"/>
-    <ds:schemaRef ds:uri="0201da8c-1c73-453f-858d-123e44f7474c"/>
-    <ds:schemaRef ds:uri="http://www.w3.org/XML/1998/namespace"/>
-    <ds:schemaRef ds:uri="http://schemas.microsoft.com/office/2006/documentManagement/types"/>
-    <ds:schemaRef ds:uri="http://purl.org/dc/terms/"/>
-    <ds:schemaRef ds:uri="http://schemas.microsoft.com/office/infopath/2007/PartnerControls"/>
-    <ds:schemaRef ds:uri="http://schemas.openxmlformats.org/package/2006/metadata/core-properties"/>
-    <ds:schemaRef ds:uri="http://schemas.microsoft.com/office/2006/metadata/properties"/>
-    <ds:schemaRef ds:uri="http://purl.org/dc/dcmitype/"/>
-  </ds:schemaRefs>
-</ds:datastoreItem>
-</file>
-
 <file path=docMetadata/LabelInfo.xml><?xml version="1.0" encoding="utf-8"?>
 <clbl:labelList xmlns:clbl="http://schemas.microsoft.com/office/2020/mipLabelMetadata">
   <clbl:label id="{f42aa342-8706-4288-bd11-ebb85995028c}" enabled="1" method="Standard" siteId="{72f988bf-86f1-41af-91ab-2d7cd011db47}" contentBits="0" removed="0"/>

--- a/project-5/IDD-project5-presentation.pptx
+++ b/project-5/IDD-project5-presentation.pptx
@@ -38319,7 +38319,7 @@
                 </a:solidFill>
                 <a:effectLst/>
               </a:rPr>
-              <a:t>~ 1.5</a:t>
+              <a:t>~ 1.5h</a:t>
             </a:r>
           </a:p>
           <a:p>
@@ -38328,7 +38328,7 @@
               <a:buChar char="•"/>
             </a:pPr>
             <a:r>
-              <a:rPr lang="en-US" sz="2800">
+              <a:rPr lang="en-US" sz="2800" dirty="0">
                 <a:solidFill>
                   <a:schemeClr val="bg1"/>
                 </a:solidFill>
@@ -38336,7 +38336,7 @@
               <a:t>(150 </a:t>
             </a:r>
             <a:r>
-              <a:rPr lang="en-US" sz="2800" err="1">
+              <a:rPr lang="en-US" sz="2800" dirty="0" err="1">
                 <a:solidFill>
                   <a:schemeClr val="bg1"/>
                 </a:solidFill>
@@ -38344,14 +38344,14 @@
               <a:t>coppie</a:t>
             </a:r>
             <a:r>
-              <a:rPr lang="en-US" sz="2800">
+              <a:rPr lang="en-US" sz="2800" dirty="0">
                 <a:solidFill>
                   <a:schemeClr val="bg1"/>
                 </a:solidFill>
               </a:rPr>
               <a:t> in match)</a:t>
             </a:r>
-            <a:endParaRPr lang="it-IT" sz="2800" i="0">
+            <a:endParaRPr lang="it-IT" sz="2800" i="0" dirty="0">
               <a:solidFill>
                 <a:srgbClr val="000000"/>
               </a:solidFill>
@@ -38364,7 +38364,7 @@
               <a:buChar char="•"/>
             </a:pPr>
             <a:r>
-              <a:rPr lang="it-IT" sz="2800" b="1">
+              <a:rPr lang="it-IT" sz="2800" b="1" dirty="0">
                 <a:solidFill>
                   <a:schemeClr val="bg1"/>
                 </a:solidFill>
@@ -38372,7 +38372,7 @@
               <a:t>Metriche utilizzate</a:t>
             </a:r>
             <a:r>
-              <a:rPr lang="it-IT" sz="2800">
+              <a:rPr lang="it-IT" sz="2800" dirty="0">
                 <a:solidFill>
                   <a:schemeClr val="bg1"/>
                 </a:solidFill>
@@ -38386,7 +38386,7 @@
               <a:buChar char="•"/>
             </a:pPr>
             <a:r>
-              <a:rPr lang="it-IT" sz="2800" i="0">
+              <a:rPr lang="it-IT" sz="2800" i="0" dirty="0">
                 <a:solidFill>
                   <a:schemeClr val="bg1"/>
                 </a:solidFill>
@@ -38401,7 +38401,7 @@
               <a:buChar char="•"/>
             </a:pPr>
             <a:r>
-              <a:rPr lang="it-IT" sz="2800">
+              <a:rPr lang="it-IT" sz="2800" dirty="0">
                 <a:solidFill>
                   <a:schemeClr val="bg1"/>
                 </a:solidFill>
@@ -38415,14 +38415,14 @@
               <a:buChar char="•"/>
             </a:pPr>
             <a:r>
-              <a:rPr lang="it-IT" sz="2800">
+              <a:rPr lang="it-IT" sz="2800" dirty="0">
                 <a:solidFill>
                   <a:schemeClr val="bg1"/>
                 </a:solidFill>
               </a:rPr>
               <a:t>F1</a:t>
             </a:r>
-            <a:endParaRPr lang="it-IT" sz="2800" i="0">
+            <a:endParaRPr lang="it-IT" sz="2800" i="0" dirty="0">
               <a:solidFill>
                 <a:srgbClr val="000000"/>
               </a:solidFill>
@@ -38430,7 +38430,7 @@
             </a:endParaRPr>
           </a:p>
           <a:p>
-            <a:endParaRPr lang="en-US" sz="2600" i="0">
+            <a:endParaRPr lang="en-US" sz="2600" i="0" dirty="0">
               <a:solidFill>
                 <a:schemeClr val="bg1"/>
               </a:solidFill>
@@ -41293,7 +41293,7 @@
           <p:nvPr>
             <p:extLst>
               <p:ext uri="{D42A27DB-BD31-4B8C-83A1-F6EECF244321}">
-                <p14:modId xmlns:p14="http://schemas.microsoft.com/office/powerpoint/2010/main" val="946786269"/>
+                <p14:modId xmlns:p14="http://schemas.microsoft.com/office/powerpoint/2010/main" val="1784728371"/>
               </p:ext>
             </p:extLst>
           </p:nvPr>
@@ -41435,7 +41435,7 @@
                     <a:lstStyle/>
                     <a:p>
                       <a:r>
-                        <a:rPr lang="it-IT" err="1">
+                        <a:rPr lang="it-IT" dirty="0" err="1">
                           <a:solidFill>
                             <a:schemeClr val="bg1"/>
                           </a:solidFill>
@@ -41443,7 +41443,7 @@
                         <a:t>Categories</a:t>
                       </a:r>
                       <a:r>
-                        <a:rPr lang="it-IT">
+                        <a:rPr lang="it-IT" dirty="0">
                           <a:solidFill>
                             <a:schemeClr val="bg1"/>
                           </a:solidFill>
@@ -41451,14 +41451,22 @@
                         <a:t>, Industry, Business, Company Business, </a:t>
                       </a:r>
                       <a:r>
-                        <a:rPr lang="it-IT" err="1">
+                        <a:rPr lang="it-IT" dirty="0" err="1">
                           <a:solidFill>
                             <a:schemeClr val="bg1"/>
                           </a:solidFill>
                         </a:rPr>
                         <a:t>Category</a:t>
                       </a:r>
-                      <a:endParaRPr lang="en-US"/>
+                      <a:r>
+                        <a:rPr lang="it-IT" dirty="0">
+                          <a:solidFill>
+                            <a:schemeClr val="bg1"/>
+                          </a:solidFill>
+                        </a:rPr>
+                        <a:t>, Sector</a:t>
+                      </a:r>
+                      <a:endParaRPr lang="en-US" dirty="0"/>
                     </a:p>
                   </a:txBody>
                   <a:tcPr/>
@@ -48343,24 +48351,6 @@
 </file>
 
 <file path=customXml/item1.xml><?xml version="1.0" encoding="utf-8"?>
-<p:properties xmlns:p="http://schemas.microsoft.com/office/2006/metadata/properties" xmlns:xsi="http://www.w3.org/2001/XMLSchema-instance" xmlns:pc="http://schemas.microsoft.com/office/infopath/2007/PartnerControls">
-  <documentManagement>
-    <MediaServiceKeyPoints xmlns="0201da8c-1c73-453f-858d-123e44f7474c" xsi:nil="true"/>
-    <_activity xmlns="0201da8c-1c73-453f-858d-123e44f7474c" xsi:nil="true"/>
-  </documentManagement>
-</p:properties>
-</file>
-
-<file path=customXml/item2.xml><?xml version="1.0" encoding="utf-8"?>
-<?mso-contentType ?>
-<FormTemplates xmlns="http://schemas.microsoft.com/sharepoint/v3/contenttype/forms">
-  <Display>DocumentLibraryForm</Display>
-  <Edit>DocumentLibraryForm</Edit>
-  <New>DocumentLibraryForm</New>
-</FormTemplates>
-</file>
-
-<file path=customXml/item3.xml><?xml version="1.0" encoding="utf-8"?>
 <ct:contentTypeSchema xmlns:ct="http://schemas.microsoft.com/office/2006/metadata/contentType" xmlns:ma="http://schemas.microsoft.com/office/2006/metadata/properties/metaAttributes" ct:_="" ma:_="" ma:contentTypeName="Documento" ma:contentTypeID="0x010100085A20C8BC3DD5458F70DD55CCBA85FC" ma:contentTypeVersion="8" ma:contentTypeDescription="Creare un nuovo documento." ma:contentTypeScope="" ma:versionID="a60485f95731a956cbfa1386d5fe1d2b">
   <xsd:schema xmlns:xsd="http://www.w3.org/2001/XMLSchema" xmlns:xs="http://www.w3.org/2001/XMLSchema" xmlns:p="http://schemas.microsoft.com/office/2006/metadata/properties" xmlns:ns3="0201da8c-1c73-453f-858d-123e44f7474c" targetNamespace="http://schemas.microsoft.com/office/2006/metadata/properties" ma:root="true" ma:fieldsID="3f649a8787044d9c0a4068a8d0734d63" ns3:_="">
     <xsd:import namespace="0201da8c-1c73-453f-858d-123e44f7474c"/>
@@ -48530,31 +48520,25 @@
 </ct:contentTypeSchema>
 </file>
 
-<file path=customXml/itemProps1.xml><?xml version="1.0" encoding="utf-8"?>
-<ds:datastoreItem xmlns:ds="http://schemas.openxmlformats.org/officeDocument/2006/customXml" ds:itemID="{0E506F55-A469-454B-8FCA-6F8BCF9DAA6B}">
-  <ds:schemaRefs>
-    <ds:schemaRef ds:uri="http://purl.org/dc/elements/1.1/"/>
-    <ds:schemaRef ds:uri="0201da8c-1c73-453f-858d-123e44f7474c"/>
-    <ds:schemaRef ds:uri="http://www.w3.org/XML/1998/namespace"/>
-    <ds:schemaRef ds:uri="http://schemas.microsoft.com/office/2006/documentManagement/types"/>
-    <ds:schemaRef ds:uri="http://purl.org/dc/terms/"/>
-    <ds:schemaRef ds:uri="http://schemas.microsoft.com/office/infopath/2007/PartnerControls"/>
-    <ds:schemaRef ds:uri="http://schemas.openxmlformats.org/package/2006/metadata/core-properties"/>
-    <ds:schemaRef ds:uri="http://schemas.microsoft.com/office/2006/metadata/properties"/>
-    <ds:schemaRef ds:uri="http://purl.org/dc/dcmitype/"/>
-  </ds:schemaRefs>
-</ds:datastoreItem>
+<file path=customXml/item2.xml><?xml version="1.0" encoding="utf-8"?>
+<?mso-contentType ?>
+<FormTemplates xmlns="http://schemas.microsoft.com/sharepoint/v3/contenttype/forms">
+  <Display>DocumentLibraryForm</Display>
+  <Edit>DocumentLibraryForm</Edit>
+  <New>DocumentLibraryForm</New>
+</FormTemplates>
 </file>
 
-<file path=customXml/itemProps2.xml><?xml version="1.0" encoding="utf-8"?>
-<ds:datastoreItem xmlns:ds="http://schemas.openxmlformats.org/officeDocument/2006/customXml" ds:itemID="{8C0CC34A-D535-41BC-8B48-A0E1EA32D7E8}">
-  <ds:schemaRefs>
-    <ds:schemaRef ds:uri="http://schemas.microsoft.com/sharepoint/v3/contenttype/forms"/>
-  </ds:schemaRefs>
-</ds:datastoreItem>
+<file path=customXml/item3.xml><?xml version="1.0" encoding="utf-8"?>
+<p:properties xmlns:p="http://schemas.microsoft.com/office/2006/metadata/properties" xmlns:xsi="http://www.w3.org/2001/XMLSchema-instance" xmlns:pc="http://schemas.microsoft.com/office/infopath/2007/PartnerControls">
+  <documentManagement>
+    <MediaServiceKeyPoints xmlns="0201da8c-1c73-453f-858d-123e44f7474c" xsi:nil="true"/>
+    <_activity xmlns="0201da8c-1c73-453f-858d-123e44f7474c" xsi:nil="true"/>
+  </documentManagement>
+</p:properties>
 </file>
 
-<file path=customXml/itemProps3.xml><?xml version="1.0" encoding="utf-8"?>
+<file path=customXml/itemProps1.xml><?xml version="1.0" encoding="utf-8"?>
 <ds:datastoreItem xmlns:ds="http://schemas.openxmlformats.org/officeDocument/2006/customXml" ds:itemID="{4150A741-67F4-4CEF-85C7-4BAE7A80DEC4}">
   <ds:schemaRefs>
     <ds:schemaRef ds:uri="0201da8c-1c73-453f-858d-123e44f7474c"/>
@@ -48572,6 +48556,30 @@
 </ds:datastoreItem>
 </file>
 
+<file path=customXml/itemProps2.xml><?xml version="1.0" encoding="utf-8"?>
+<ds:datastoreItem xmlns:ds="http://schemas.openxmlformats.org/officeDocument/2006/customXml" ds:itemID="{8C0CC34A-D535-41BC-8B48-A0E1EA32D7E8}">
+  <ds:schemaRefs>
+    <ds:schemaRef ds:uri="http://schemas.microsoft.com/sharepoint/v3/contenttype/forms"/>
+  </ds:schemaRefs>
+</ds:datastoreItem>
+</file>
+
+<file path=customXml/itemProps3.xml><?xml version="1.0" encoding="utf-8"?>
+<ds:datastoreItem xmlns:ds="http://schemas.openxmlformats.org/officeDocument/2006/customXml" ds:itemID="{0E506F55-A469-454B-8FCA-6F8BCF9DAA6B}">
+  <ds:schemaRefs>
+    <ds:schemaRef ds:uri="http://purl.org/dc/elements/1.1/"/>
+    <ds:schemaRef ds:uri="0201da8c-1c73-453f-858d-123e44f7474c"/>
+    <ds:schemaRef ds:uri="http://www.w3.org/XML/1998/namespace"/>
+    <ds:schemaRef ds:uri="http://schemas.microsoft.com/office/2006/documentManagement/types"/>
+    <ds:schemaRef ds:uri="http://purl.org/dc/terms/"/>
+    <ds:schemaRef ds:uri="http://schemas.microsoft.com/office/infopath/2007/PartnerControls"/>
+    <ds:schemaRef ds:uri="http://schemas.openxmlformats.org/package/2006/metadata/core-properties"/>
+    <ds:schemaRef ds:uri="http://schemas.microsoft.com/office/2006/metadata/properties"/>
+    <ds:schemaRef ds:uri="http://purl.org/dc/dcmitype/"/>
+  </ds:schemaRefs>
+</ds:datastoreItem>
+</file>
+
 <file path=docMetadata/LabelInfo.xml><?xml version="1.0" encoding="utf-8"?>
 <clbl:labelList xmlns:clbl="http://schemas.microsoft.com/office/2020/mipLabelMetadata">
   <clbl:label id="{f42aa342-8706-4288-bd11-ebb85995028c}" enabled="1" method="Standard" siteId="{72f988bf-86f1-41af-91ab-2d7cd011db47}" contentBits="0" removed="0"/>
